--- a/_episodes/R-ladies/2021-04_setup.pptx
+++ b/_episodes/R-ladies/2021-04_setup.pptx
@@ -107,6 +107,11 @@
       </a:defRPr>
     </a:lvl9pPr>
   </p:defaultTextStyle>
+  <p:extLst>
+    <p:ext uri="{EFAFB233-063F-42B5-8137-9DF3F51BA10A}">
+      <p15:sldGuideLst xmlns:p15="http://schemas.microsoft.com/office/powerpoint/2012/main"/>
+    </p:ext>
+  </p:extLst>
 </p:presentation>
 </file>
 
@@ -3749,7 +3754,7 @@
               <a:buNone/>
             </a:pPr>
             <a:r>
-              <a:rPr lang="en-US" dirty="0"/>
+              <a:rPr lang="en-US" b="1" dirty="0"/>
               <a:t>02: Command line git</a:t>
             </a:r>
           </a:p>
@@ -3853,7 +3858,7 @@
           <a:p>
             <a:r>
               <a:rPr lang="en-US" dirty="0"/>
-              <a:t>Format</a:t>
+              <a:t>Attendees</a:t>
             </a:r>
           </a:p>
         </p:txBody>
@@ -3874,15 +3879,25 @@
             <p:ph idx="1"/>
           </p:nvPr>
         </p:nvSpPr>
-        <p:spPr/>
-        <p:txBody>
-          <a:bodyPr/>
+        <p:spPr>
+          <a:xfrm>
+            <a:off x="838200" y="1690688"/>
+            <a:ext cx="10515600" cy="4699602"/>
+          </a:xfrm>
+        </p:spPr>
+        <p:txBody>
+          <a:bodyPr>
+            <a:normAutofit/>
+          </a:bodyPr>
           <a:lstStyle/>
           <a:p>
             <a:r>
               <a:rPr lang="en-US" dirty="0"/>
-              <a:t>Notes and slides </a:t>
-            </a:r>
+              <a:t>Notes and slides</a:t>
+            </a:r>
+          </a:p>
+          <a:p>
+            <a:pPr lvl="1"/>
             <a:r>
               <a:rPr lang="en-US" dirty="0">
                 <a:hlinkClick r:id="rId2"/>
@@ -3909,7 +3924,14 @@
                 <a:latin typeface="Courier New" panose="02070309020205020404" pitchFamily="49" charset="0"/>
                 <a:cs typeface="Courier New" panose="02070309020205020404" pitchFamily="49" charset="0"/>
               </a:rPr>
-              <a:t>.pdf </a:t>
+              <a:t>.pdf</a:t>
+            </a:r>
+            <a:r>
+              <a:rPr lang="en-US" dirty="0">
+                <a:latin typeface="Calibri" panose="020F0502020204030204" pitchFamily="34" charset="0"/>
+                <a:cs typeface="Calibri" panose="020F0502020204030204" pitchFamily="34" charset="0"/>
+              </a:rPr>
+              <a:t> </a:t>
             </a:r>
             <a:r>
               <a:rPr lang="en-US" dirty="0"/>
@@ -3920,10 +3942,84 @@
             <a:endParaRPr lang="en-US" dirty="0"/>
           </a:p>
           <a:p>
+            <a:r>
+              <a:rPr lang="en-US" dirty="0"/>
+              <a:t>Questions</a:t>
+            </a:r>
+          </a:p>
+          <a:p>
+            <a:pPr lvl="1"/>
+            <a:r>
+              <a:rPr lang="en-US" dirty="0"/>
+              <a:t>Raise Hand       Once an instructor/helper calls on you, you are welcome to use voice and/or video to ask a question</a:t>
+            </a:r>
+          </a:p>
+          <a:p>
+            <a:pPr lvl="1"/>
+            <a:r>
+              <a:rPr lang="en-US" dirty="0"/>
+              <a:t>Type in the chat</a:t>
+            </a:r>
+          </a:p>
+          <a:p>
             <a:endParaRPr lang="en-US" dirty="0"/>
           </a:p>
-        </p:txBody>
-      </p:sp>
+          <a:p>
+            <a:r>
+              <a:rPr lang="en-US" dirty="0"/>
+              <a:t>Please keep video </a:t>
+            </a:r>
+            <a:r>
+              <a:rPr lang="en-US" i="1" dirty="0"/>
+              <a:t>off </a:t>
+            </a:r>
+            <a:r>
+              <a:rPr lang="en-US" dirty="0"/>
+              <a:t>to help facilitate the large number of attendees</a:t>
+            </a:r>
+          </a:p>
+          <a:p>
+            <a:pPr lvl="1"/>
+            <a:endParaRPr lang="en-US" dirty="0"/>
+          </a:p>
+        </p:txBody>
+      </p:sp>
+      <p:pic>
+        <p:nvPicPr>
+          <p:cNvPr id="5" name="Graphic 4" descr="Raised hand with solid fill">
+            <a:extLst>
+              <a:ext uri="{FF2B5EF4-FFF2-40B4-BE49-F238E27FC236}">
+                <a16:creationId xmlns:a16="http://schemas.microsoft.com/office/drawing/2014/main" id="{942D25E0-5199-974C-A7B6-2A314446BDE0}"/>
+              </a:ext>
+            </a:extLst>
+          </p:cNvPr>
+          <p:cNvPicPr>
+            <a:picLocks noChangeAspect="1"/>
+          </p:cNvPicPr>
+          <p:nvPr/>
+        </p:nvPicPr>
+        <p:blipFill>
+          <a:blip r:embed="rId3">
+            <a:extLst>
+              <a:ext uri="{96DAC541-7B7A-43D3-8B79-37D633B846F1}">
+                <asvg:svgBlip xmlns:asvg="http://schemas.microsoft.com/office/drawing/2016/SVG/main" r:embed="rId4"/>
+              </a:ext>
+            </a:extLst>
+          </a:blip>
+          <a:stretch>
+            <a:fillRect/>
+          </a:stretch>
+        </p:blipFill>
+        <p:spPr>
+          <a:xfrm>
+            <a:off x="3012830" y="3910541"/>
+            <a:ext cx="433754" cy="433754"/>
+          </a:xfrm>
+          <a:prstGeom prst="rect">
+            <a:avLst/>
+          </a:prstGeom>
+        </p:spPr>
+      </p:pic>
     </p:spTree>
     <p:extLst>
       <p:ext uri="{BB962C8B-B14F-4D97-AF65-F5344CB8AC3E}">
@@ -3977,7 +4073,7 @@
           <a:p>
             <a:r>
               <a:rPr lang="en-US" dirty="0"/>
-              <a:t>For instructors/helpers</a:t>
+              <a:t>Instructors / helpers</a:t>
             </a:r>
           </a:p>
         </p:txBody>
@@ -4005,15 +4101,17 @@
           <a:p>
             <a:r>
               <a:rPr lang="en-US" dirty="0"/>
-              <a:t>Add your role </a:t>
-            </a:r>
-            <a:r>
-              <a:rPr lang="en-US"/>
-              <a:t>to your Zoom name</a:t>
+              <a:t>Add your role to your Zoom name</a:t>
             </a:r>
           </a:p>
           <a:p>
             <a:endParaRPr lang="en-US" dirty="0"/>
+          </a:p>
+          <a:p>
+            <a:r>
+              <a:rPr lang="en-US" dirty="0"/>
+              <a:t>Feel free to interrupt instructor with questions from raised hands or chat</a:t>
+            </a:r>
           </a:p>
         </p:txBody>
       </p:sp>

--- a/_episodes/R-ladies/2021-04_setup.pptx
+++ b/_episodes/R-ladies/2021-04_setup.pptx
@@ -7,8 +7,9 @@
   <p:sldIdLst>
     <p:sldId id="256" r:id="rId2"/>
     <p:sldId id="257" r:id="rId3"/>
-    <p:sldId id="258" r:id="rId4"/>
-    <p:sldId id="259" r:id="rId5"/>
+    <p:sldId id="260" r:id="rId4"/>
+    <p:sldId id="258" r:id="rId5"/>
+    <p:sldId id="259" r:id="rId6"/>
   </p:sldIdLst>
   <p:sldSz cx="12192000" cy="6858000"/>
   <p:notesSz cx="6858000" cy="9144000"/>
@@ -3394,7 +3395,9 @@
           </a:xfrm>
         </p:spPr>
         <p:txBody>
-          <a:bodyPr/>
+          <a:bodyPr>
+            <a:normAutofit lnSpcReduction="10000"/>
+          </a:bodyPr>
           <a:lstStyle/>
           <a:p>
             <a:endParaRPr lang="en-US" dirty="0"/>
@@ -3408,7 +3411,13 @@
           <a:p>
             <a:r>
               <a:rPr lang="en-US" dirty="0"/>
-              <a:t>Helpers: Katie Jolly (), Jenny Smith ()</a:t>
+              <a:t>Helpers: Katie Jolly (), Jenny Smith (), </a:t>
+            </a:r>
+          </a:p>
+          <a:p>
+            <a:r>
+              <a:rPr lang="en-US" dirty="0"/>
+              <a:t>Madison Swain-Bowden (she/her)</a:t>
             </a:r>
           </a:p>
         </p:txBody>
@@ -3747,8 +3756,37 @@
         </p:nvSpPr>
         <p:spPr/>
         <p:txBody>
-          <a:bodyPr/>
-          <a:lstStyle/>
+          <a:bodyPr>
+            <a:normAutofit/>
+          </a:bodyPr>
+          <a:lstStyle/>
+          <a:p>
+            <a:pPr marL="0" indent="0">
+              <a:buNone/>
+            </a:pPr>
+            <a:r>
+              <a:rPr lang="en-US" dirty="0"/>
+              <a:t>Sign-up for each event separately at </a:t>
+            </a:r>
+          </a:p>
+          <a:p>
+            <a:pPr marL="0" indent="0">
+              <a:buNone/>
+            </a:pPr>
+            <a:r>
+              <a:rPr lang="en-US" dirty="0">
+                <a:hlinkClick r:id="rId2"/>
+              </a:rPr>
+              <a:t>https://www.meetup.com/rladies-seattle/events/</a:t>
+            </a:r>
+            <a:endParaRPr lang="en-US" dirty="0"/>
+          </a:p>
+          <a:p>
+            <a:pPr marL="0" indent="0">
+              <a:buNone/>
+            </a:pPr>
+            <a:endParaRPr lang="en-US" dirty="0"/>
+          </a:p>
           <a:p>
             <a:pPr marL="0" indent="0">
               <a:buNone/>
@@ -3757,11 +3795,6 @@
               <a:rPr lang="en-US" b="1" dirty="0"/>
               <a:t>02: Command line git</a:t>
             </a:r>
-          </a:p>
-          <a:p>
-            <a:pPr marL="0" indent="0">
-              <a:buNone/>
-            </a:pPr>
             <a:endParaRPr lang="en-US" dirty="0"/>
           </a:p>
           <a:p>
@@ -3777,22 +3810,10 @@
             <a:pPr marL="0" indent="0">
               <a:buNone/>
             </a:pPr>
-            <a:endParaRPr lang="en-US" dirty="0"/>
-          </a:p>
-          <a:p>
-            <a:pPr marL="0" indent="0">
-              <a:buNone/>
-            </a:pPr>
             <a:r>
               <a:rPr lang="en-US" dirty="0"/>
               <a:t>16: GitHub GUI and RStudio</a:t>
             </a:r>
-          </a:p>
-          <a:p>
-            <a:pPr marL="0" indent="0">
-              <a:buNone/>
-            </a:pPr>
-            <a:endParaRPr lang="en-US" dirty="0"/>
           </a:p>
           <a:p>
             <a:pPr marL="0" indent="0">
@@ -3840,7 +3861,7 @@
           <p:cNvPr id="2" name="Title 1">
             <a:extLst>
               <a:ext uri="{FF2B5EF4-FFF2-40B4-BE49-F238E27FC236}">
-                <a16:creationId xmlns:a16="http://schemas.microsoft.com/office/drawing/2014/main" id="{F524CD4D-5583-894E-BA40-2BE40D31450F}"/>
+                <a16:creationId xmlns:a16="http://schemas.microsoft.com/office/drawing/2014/main" id="{D0AC5242-97FF-914B-B6F4-15956C806391}"/>
               </a:ext>
             </a:extLst>
           </p:cNvPr>
@@ -3858,7 +3879,7 @@
           <a:p>
             <a:r>
               <a:rPr lang="en-US" dirty="0"/>
-              <a:t>Attendees</a:t>
+              <a:t>Code of conduct</a:t>
             </a:r>
           </a:p>
         </p:txBody>
@@ -3868,7 +3889,7 @@
           <p:cNvPr id="3" name="Content Placeholder 2">
             <a:extLst>
               <a:ext uri="{FF2B5EF4-FFF2-40B4-BE49-F238E27FC236}">
-                <a16:creationId xmlns:a16="http://schemas.microsoft.com/office/drawing/2014/main" id="{3A09CF08-DC57-2E4C-8B2C-156ACCFB43C8}"/>
+                <a16:creationId xmlns:a16="http://schemas.microsoft.com/office/drawing/2014/main" id="{572CF9C3-1373-4547-9556-9FE8C7DC66F7}"/>
               </a:ext>
             </a:extLst>
           </p:cNvPr>
@@ -3879,151 +3900,109 @@
             <p:ph idx="1"/>
           </p:nvPr>
         </p:nvSpPr>
-        <p:spPr>
-          <a:xfrm>
-            <a:off x="838200" y="1690688"/>
-            <a:ext cx="10515600" cy="4699602"/>
-          </a:xfrm>
-        </p:spPr>
+        <p:spPr/>
         <p:txBody>
           <a:bodyPr>
-            <a:normAutofit/>
+            <a:normAutofit fontScale="77500" lnSpcReduction="20000"/>
           </a:bodyPr>
           <a:lstStyle/>
           <a:p>
+            <a:pPr marL="0" indent="0" fontAlgn="base">
+              <a:lnSpc>
+                <a:spcPct val="120000"/>
+              </a:lnSpc>
+              <a:spcBef>
+                <a:spcPts val="2200"/>
+              </a:spcBef>
+              <a:buNone/>
+            </a:pPr>
             <a:r>
               <a:rPr lang="en-US" dirty="0"/>
-              <a:t>Notes and slides</a:t>
-            </a:r>
-          </a:p>
-          <a:p>
-            <a:pPr lvl="1"/>
+              <a:t>R-Ladies is dedicated to providing a harassment-free experience for everyone. We do not tolerate harassment of participants in any form.</a:t>
+            </a:r>
+          </a:p>
+          <a:p>
+            <a:pPr marL="0" indent="0" fontAlgn="base">
+              <a:lnSpc>
+                <a:spcPct val="120000"/>
+              </a:lnSpc>
+              <a:spcBef>
+                <a:spcPts val="2200"/>
+              </a:spcBef>
+              <a:buNone/>
+            </a:pPr>
+            <a:r>
+              <a:rPr lang="en-US" dirty="0"/>
+              <a:t>This code of conduct applies to all R-Ladies spaces, including meetups, Twitter, Slack, mailing lists, both online and offline. Anyone who violates this code of conduct may be sanctioned or expelled from these spaces at the discretion of the Global Leadership Team.</a:t>
+            </a:r>
+          </a:p>
+          <a:p>
+            <a:pPr marL="0" indent="0">
+              <a:lnSpc>
+                <a:spcPct val="120000"/>
+              </a:lnSpc>
+              <a:spcBef>
+                <a:spcPts val="2200"/>
+              </a:spcBef>
+              <a:buNone/>
+            </a:pPr>
+            <a:r>
+              <a:rPr lang="en-US" dirty="0"/>
+              <a:t>If you are being harassed by a member/guest/participant of/at R-Ladies, notice that someone else is being harassed, or have any other concerns, please contact the Global Leadership Team via </a:t>
+            </a:r>
             <a:r>
               <a:rPr lang="en-US" dirty="0">
                 <a:hlinkClick r:id="rId2"/>
               </a:rPr>
-              <a:t>bit.ly/Rladies-git</a:t>
-            </a:r>
+              <a:t>reporting@rladies.org</a:t>
+            </a:r>
+            <a:r>
+              <a:rPr lang="en-US" dirty="0"/>
+              <a:t> </a:t>
+            </a:r>
+          </a:p>
+          <a:p>
+            <a:pPr>
+              <a:lnSpc>
+                <a:spcPct val="120000"/>
+              </a:lnSpc>
+            </a:pPr>
             <a:endParaRPr lang="en-US" dirty="0"/>
           </a:p>
           <a:p>
-            <a:pPr lvl="1"/>
+            <a:pPr marL="0" indent="0">
+              <a:lnSpc>
+                <a:spcPct val="120000"/>
+              </a:lnSpc>
+              <a:buNone/>
+            </a:pPr>
+            <a:r>
+              <a:rPr lang="en-US" dirty="0"/>
+              <a:t>For more information </a:t>
+            </a:r>
             <a:r>
               <a:rPr lang="en-US" dirty="0">
-                <a:latin typeface="Courier New" panose="02070309020205020404" pitchFamily="49" charset="0"/>
-                <a:cs typeface="Courier New" panose="02070309020205020404" pitchFamily="49" charset="0"/>
+                <a:hlinkClick r:id="rId3"/>
               </a:rPr>
-              <a:t>.md </a:t>
-            </a:r>
-            <a:r>
-              <a:rPr lang="en-US" dirty="0"/>
-              <a:t>and </a:t>
-            </a:r>
-            <a:r>
-              <a:rPr lang="en-US" dirty="0">
-                <a:latin typeface="Courier New" panose="02070309020205020404" pitchFamily="49" charset="0"/>
-                <a:cs typeface="Courier New" panose="02070309020205020404" pitchFamily="49" charset="0"/>
-              </a:rPr>
-              <a:t>.pdf</a:t>
-            </a:r>
-            <a:r>
-              <a:rPr lang="en-US" dirty="0">
-                <a:latin typeface="Calibri" panose="020F0502020204030204" pitchFamily="34" charset="0"/>
-                <a:cs typeface="Calibri" panose="020F0502020204030204" pitchFamily="34" charset="0"/>
-              </a:rPr>
-              <a:t> </a:t>
-            </a:r>
-            <a:r>
-              <a:rPr lang="en-US" dirty="0"/>
-              <a:t>render in your browser, no need to download</a:t>
-            </a:r>
-          </a:p>
-          <a:p>
+              <a:t>https://rladies.org/code-of-conduct/</a:t>
+            </a:r>
             <a:endParaRPr lang="en-US" dirty="0"/>
           </a:p>
           <a:p>
-            <a:r>
-              <a:rPr lang="en-US" dirty="0"/>
-              <a:t>Questions</a:t>
-            </a:r>
-          </a:p>
-          <a:p>
-            <a:pPr lvl="1"/>
-            <a:r>
-              <a:rPr lang="en-US" dirty="0"/>
-              <a:t>Raise Hand       Once an instructor/helper calls on you, you are welcome to use voice and/or video to ask a question</a:t>
-            </a:r>
-          </a:p>
-          <a:p>
-            <a:pPr lvl="1"/>
-            <a:r>
-              <a:rPr lang="en-US" dirty="0"/>
-              <a:t>Type in the chat</a:t>
-            </a:r>
-          </a:p>
-          <a:p>
+            <a:pPr marL="0" indent="0">
+              <a:lnSpc>
+                <a:spcPct val="120000"/>
+              </a:lnSpc>
+              <a:buNone/>
+            </a:pPr>
             <a:endParaRPr lang="en-US" dirty="0"/>
           </a:p>
-          <a:p>
-            <a:r>
-              <a:rPr lang="en-US" dirty="0"/>
-              <a:t>Please keep video </a:t>
-            </a:r>
-            <a:r>
-              <a:rPr lang="en-US" i="1" dirty="0"/>
-              <a:t>off </a:t>
-            </a:r>
-            <a:r>
-              <a:rPr lang="en-US" dirty="0"/>
-              <a:t>to help facilitate the large number of attendees</a:t>
-            </a:r>
-          </a:p>
-          <a:p>
-            <a:pPr lvl="1"/>
-            <a:endParaRPr lang="en-US" dirty="0"/>
-          </a:p>
-        </p:txBody>
-      </p:sp>
-      <p:pic>
-        <p:nvPicPr>
-          <p:cNvPr id="5" name="Graphic 4" descr="Raised hand with solid fill">
-            <a:extLst>
-              <a:ext uri="{FF2B5EF4-FFF2-40B4-BE49-F238E27FC236}">
-                <a16:creationId xmlns:a16="http://schemas.microsoft.com/office/drawing/2014/main" id="{942D25E0-5199-974C-A7B6-2A314446BDE0}"/>
-              </a:ext>
-            </a:extLst>
-          </p:cNvPr>
-          <p:cNvPicPr>
-            <a:picLocks noChangeAspect="1"/>
-          </p:cNvPicPr>
-          <p:nvPr/>
-        </p:nvPicPr>
-        <p:blipFill>
-          <a:blip r:embed="rId3">
-            <a:extLst>
-              <a:ext uri="{96DAC541-7B7A-43D3-8B79-37D633B846F1}">
-                <asvg:svgBlip xmlns:asvg="http://schemas.microsoft.com/office/drawing/2016/SVG/main" r:embed="rId4"/>
-              </a:ext>
-            </a:extLst>
-          </a:blip>
-          <a:stretch>
-            <a:fillRect/>
-          </a:stretch>
-        </p:blipFill>
-        <p:spPr>
-          <a:xfrm>
-            <a:off x="3012830" y="3910541"/>
-            <a:ext cx="433754" cy="433754"/>
-          </a:xfrm>
-          <a:prstGeom prst="rect">
-            <a:avLst/>
-          </a:prstGeom>
-        </p:spPr>
-      </p:pic>
+        </p:txBody>
+      </p:sp>
     </p:spTree>
     <p:extLst>
       <p:ext uri="{BB962C8B-B14F-4D97-AF65-F5344CB8AC3E}">
-        <p14:creationId xmlns:p14="http://schemas.microsoft.com/office/powerpoint/2010/main" val="2134748281"/>
+        <p14:creationId xmlns:p14="http://schemas.microsoft.com/office/powerpoint/2010/main" val="2201325811"/>
       </p:ext>
     </p:extLst>
   </p:cSld>
@@ -4055,6 +4034,213 @@
           <p:cNvPr id="2" name="Title 1">
             <a:extLst>
               <a:ext uri="{FF2B5EF4-FFF2-40B4-BE49-F238E27FC236}">
+                <a16:creationId xmlns:a16="http://schemas.microsoft.com/office/drawing/2014/main" id="{F524CD4D-5583-894E-BA40-2BE40D31450F}"/>
+              </a:ext>
+            </a:extLst>
+          </p:cNvPr>
+          <p:cNvSpPr>
+            <a:spLocks noGrp="1"/>
+          </p:cNvSpPr>
+          <p:nvPr>
+            <p:ph type="title"/>
+          </p:nvPr>
+        </p:nvSpPr>
+        <p:spPr/>
+        <p:txBody>
+          <a:bodyPr/>
+          <a:lstStyle/>
+          <a:p>
+            <a:r>
+              <a:rPr lang="en-US" dirty="0"/>
+              <a:t>Attendees</a:t>
+            </a:r>
+          </a:p>
+        </p:txBody>
+      </p:sp>
+      <p:sp>
+        <p:nvSpPr>
+          <p:cNvPr id="3" name="Content Placeholder 2">
+            <a:extLst>
+              <a:ext uri="{FF2B5EF4-FFF2-40B4-BE49-F238E27FC236}">
+                <a16:creationId xmlns:a16="http://schemas.microsoft.com/office/drawing/2014/main" id="{3A09CF08-DC57-2E4C-8B2C-156ACCFB43C8}"/>
+              </a:ext>
+            </a:extLst>
+          </p:cNvPr>
+          <p:cNvSpPr>
+            <a:spLocks noGrp="1"/>
+          </p:cNvSpPr>
+          <p:nvPr>
+            <p:ph idx="1"/>
+          </p:nvPr>
+        </p:nvSpPr>
+        <p:spPr>
+          <a:xfrm>
+            <a:off x="838200" y="1690688"/>
+            <a:ext cx="10515600" cy="4699602"/>
+          </a:xfrm>
+        </p:spPr>
+        <p:txBody>
+          <a:bodyPr>
+            <a:normAutofit/>
+          </a:bodyPr>
+          <a:lstStyle/>
+          <a:p>
+            <a:r>
+              <a:rPr lang="en-US" dirty="0"/>
+              <a:t>Notes and slides</a:t>
+            </a:r>
+          </a:p>
+          <a:p>
+            <a:pPr lvl="1"/>
+            <a:r>
+              <a:rPr lang="en-US" dirty="0">
+                <a:hlinkClick r:id="rId2"/>
+              </a:rPr>
+              <a:t>bit.ly/Rladies-git</a:t>
+            </a:r>
+            <a:endParaRPr lang="en-US" dirty="0"/>
+          </a:p>
+          <a:p>
+            <a:pPr lvl="1"/>
+            <a:r>
+              <a:rPr lang="en-US" dirty="0">
+                <a:latin typeface="Courier New" panose="02070309020205020404" pitchFamily="49" charset="0"/>
+                <a:cs typeface="Courier New" panose="02070309020205020404" pitchFamily="49" charset="0"/>
+              </a:rPr>
+              <a:t>.md </a:t>
+            </a:r>
+            <a:r>
+              <a:rPr lang="en-US" dirty="0"/>
+              <a:t>and </a:t>
+            </a:r>
+            <a:r>
+              <a:rPr lang="en-US" dirty="0">
+                <a:latin typeface="Courier New" panose="02070309020205020404" pitchFamily="49" charset="0"/>
+                <a:cs typeface="Courier New" panose="02070309020205020404" pitchFamily="49" charset="0"/>
+              </a:rPr>
+              <a:t>.pdf</a:t>
+            </a:r>
+            <a:r>
+              <a:rPr lang="en-US" dirty="0">
+                <a:latin typeface="Calibri" panose="020F0502020204030204" pitchFamily="34" charset="0"/>
+                <a:cs typeface="Calibri" panose="020F0502020204030204" pitchFamily="34" charset="0"/>
+              </a:rPr>
+              <a:t> </a:t>
+            </a:r>
+            <a:r>
+              <a:rPr lang="en-US" dirty="0"/>
+              <a:t>render in your browser, no need to download</a:t>
+            </a:r>
+          </a:p>
+          <a:p>
+            <a:endParaRPr lang="en-US" dirty="0"/>
+          </a:p>
+          <a:p>
+            <a:r>
+              <a:rPr lang="en-US" dirty="0"/>
+              <a:t>Questions</a:t>
+            </a:r>
+          </a:p>
+          <a:p>
+            <a:pPr lvl="1"/>
+            <a:r>
+              <a:rPr lang="en-US" dirty="0"/>
+              <a:t>Raise Hand       Once an instructor/helper calls on you, you are welcome to use voice and/or video to ask a question</a:t>
+            </a:r>
+          </a:p>
+          <a:p>
+            <a:pPr lvl="1"/>
+            <a:r>
+              <a:rPr lang="en-US" dirty="0"/>
+              <a:t>Or type it in the chat at any time</a:t>
+            </a:r>
+          </a:p>
+          <a:p>
+            <a:endParaRPr lang="en-US" dirty="0"/>
+          </a:p>
+          <a:p>
+            <a:r>
+              <a:rPr lang="en-US" dirty="0"/>
+              <a:t>You are welcome to have you video on or off.</a:t>
+            </a:r>
+          </a:p>
+          <a:p>
+            <a:pPr lvl="1"/>
+            <a:endParaRPr lang="en-US" dirty="0"/>
+          </a:p>
+        </p:txBody>
+      </p:sp>
+      <p:pic>
+        <p:nvPicPr>
+          <p:cNvPr id="5" name="Graphic 4" descr="Raised hand with solid fill">
+            <a:extLst>
+              <a:ext uri="{FF2B5EF4-FFF2-40B4-BE49-F238E27FC236}">
+                <a16:creationId xmlns:a16="http://schemas.microsoft.com/office/drawing/2014/main" id="{942D25E0-5199-974C-A7B6-2A314446BDE0}"/>
+              </a:ext>
+            </a:extLst>
+          </p:cNvPr>
+          <p:cNvPicPr>
+            <a:picLocks noChangeAspect="1"/>
+          </p:cNvPicPr>
+          <p:nvPr/>
+        </p:nvPicPr>
+        <p:blipFill>
+          <a:blip r:embed="rId3">
+            <a:extLst>
+              <a:ext uri="{96DAC541-7B7A-43D3-8B79-37D633B846F1}">
+                <asvg:svgBlip xmlns:asvg="http://schemas.microsoft.com/office/drawing/2016/SVG/main" r:embed="rId4"/>
+              </a:ext>
+            </a:extLst>
+          </a:blip>
+          <a:stretch>
+            <a:fillRect/>
+          </a:stretch>
+        </p:blipFill>
+        <p:spPr>
+          <a:xfrm>
+            <a:off x="2987663" y="3848814"/>
+            <a:ext cx="433754" cy="433754"/>
+          </a:xfrm>
+          <a:prstGeom prst="rect">
+            <a:avLst/>
+          </a:prstGeom>
+        </p:spPr>
+      </p:pic>
+    </p:spTree>
+    <p:extLst>
+      <p:ext uri="{BB962C8B-B14F-4D97-AF65-F5344CB8AC3E}">
+        <p14:creationId xmlns:p14="http://schemas.microsoft.com/office/powerpoint/2010/main" val="2134748281"/>
+      </p:ext>
+    </p:extLst>
+  </p:cSld>
+  <p:clrMapOvr>
+    <a:masterClrMapping/>
+  </p:clrMapOvr>
+</p:sld>
+</file>
+
+<file path=ppt/slides/slide5.xml><?xml version="1.0" encoding="utf-8"?>
+<p:sld xmlns:a="http://schemas.openxmlformats.org/drawingml/2006/main" xmlns:r="http://schemas.openxmlformats.org/officeDocument/2006/relationships" xmlns:p="http://schemas.openxmlformats.org/presentationml/2006/main">
+  <p:cSld>
+    <p:spTree>
+      <p:nvGrpSpPr>
+        <p:cNvPr id="1" name=""/>
+        <p:cNvGrpSpPr/>
+        <p:nvPr/>
+      </p:nvGrpSpPr>
+      <p:grpSpPr>
+        <a:xfrm>
+          <a:off x="0" y="0"/>
+          <a:ext cx="0" cy="0"/>
+          <a:chOff x="0" y="0"/>
+          <a:chExt cx="0" cy="0"/>
+        </a:xfrm>
+      </p:grpSpPr>
+      <p:sp>
+        <p:nvSpPr>
+          <p:cNvPr id="2" name="Title 1">
+            <a:extLst>
+              <a:ext uri="{FF2B5EF4-FFF2-40B4-BE49-F238E27FC236}">
                 <a16:creationId xmlns:a16="http://schemas.microsoft.com/office/drawing/2014/main" id="{D06299C1-8832-0F4D-806E-7EB7386CCF2A}"/>
               </a:ext>
             </a:extLst>
@@ -4101,7 +4287,7 @@
           <a:p>
             <a:r>
               <a:rPr lang="en-US" dirty="0"/>
-              <a:t>Add your role to your Zoom name</a:t>
+              <a:t>Add your role and pronouns to your Zoom name</a:t>
             </a:r>
           </a:p>
           <a:p>
@@ -4112,6 +4298,18 @@
               <a:rPr lang="en-US" dirty="0"/>
               <a:t>Feel free to interrupt instructor with questions from raised hands or chat</a:t>
             </a:r>
+          </a:p>
+          <a:p>
+            <a:r>
+              <a:rPr lang="en-US" dirty="0"/>
+              <a:t>Also let instructor know if there are too many questions to keep up with and we need to pause</a:t>
+            </a:r>
+          </a:p>
+          <a:p>
+            <a:pPr marL="0" indent="0">
+              <a:buNone/>
+            </a:pPr>
+            <a:endParaRPr lang="en-US" dirty="0"/>
           </a:p>
         </p:txBody>
       </p:sp>

--- a/_episodes/R-ladies/2021-04_setup.pptx
+++ b/_episodes/R-ladies/2021-04_setup.pptx
@@ -3396,7 +3396,7 @@
         </p:spPr>
         <p:txBody>
           <a:bodyPr>
-            <a:normAutofit lnSpcReduction="10000"/>
+            <a:normAutofit fontScale="92500" lnSpcReduction="10000"/>
           </a:bodyPr>
           <a:lstStyle/>
           <a:p>
@@ -3411,8 +3411,21 @@
           <a:p>
             <a:r>
               <a:rPr lang="en-US" dirty="0"/>
-              <a:t>Helpers: Katie Jolly (), Jenny Smith (), </a:t>
-            </a:r>
+              <a:t>Helpers: Katie Jolly </a:t>
+            </a:r>
+            <a:r>
+              <a:rPr lang="en-US"/>
+              <a:t>(she/her), </a:t>
+            </a:r>
+            <a:r>
+              <a:rPr lang="en-US" dirty="0"/>
+              <a:t>Jenny </a:t>
+            </a:r>
+            <a:r>
+              <a:rPr lang="en-US"/>
+              <a:t>Smith (she/her), </a:t>
+            </a:r>
+            <a:endParaRPr lang="en-US" dirty="0"/>
           </a:p>
           <a:p>
             <a:r>
@@ -4075,13 +4088,13 @@
         </p:nvSpPr>
         <p:spPr>
           <a:xfrm>
-            <a:off x="838200" y="1690688"/>
-            <a:ext cx="10515600" cy="4699602"/>
+            <a:off x="838200" y="1471447"/>
+            <a:ext cx="10515600" cy="5139559"/>
           </a:xfrm>
         </p:spPr>
         <p:txBody>
           <a:bodyPr>
-            <a:normAutofit/>
+            <a:normAutofit lnSpcReduction="10000"/>
           </a:bodyPr>
           <a:lstStyle/>
           <a:p>
@@ -4145,7 +4158,15 @@
             <a:pPr lvl="1"/>
             <a:r>
               <a:rPr lang="en-US" dirty="0"/>
-              <a:t>Raise Hand       Once an instructor/helper calls on you, you are welcome to use voice and/or video to ask a question</a:t>
+              <a:t>Raise Hand       Once an instructor/helper calls on you, </a:t>
+            </a:r>
+            <a:r>
+              <a:rPr lang="en-US"/>
+              <a:t>you can use </a:t>
+            </a:r>
+            <a:r>
+              <a:rPr lang="en-US" dirty="0"/>
+              <a:t>voice and/or video to ask a question</a:t>
             </a:r>
           </a:p>
           <a:p>
@@ -4161,7 +4182,13 @@
           <a:p>
             <a:r>
               <a:rPr lang="en-US" dirty="0"/>
-              <a:t>You are welcome to have you video on or off.</a:t>
+              <a:t>You are welcome to have your video on or off as you are comfortable</a:t>
+            </a:r>
+          </a:p>
+          <a:p>
+            <a:r>
+              <a:rPr lang="en-US" dirty="0"/>
+              <a:t>If we are hacked, the session will end, and you will be emailed a new Zoom link shortly</a:t>
             </a:r>
           </a:p>
           <a:p>
@@ -4198,7 +4225,7 @@
         </p:blipFill>
         <p:spPr>
           <a:xfrm>
-            <a:off x="2987663" y="3848814"/>
+            <a:off x="2998173" y="3429000"/>
             <a:ext cx="433754" cy="433754"/>
           </a:xfrm>
           <a:prstGeom prst="rect">
@@ -4303,6 +4330,15 @@
             <a:r>
               <a:rPr lang="en-US" dirty="0"/>
               <a:t>Also let instructor know if there are too many questions to keep up with and we need to pause</a:t>
+            </a:r>
+          </a:p>
+          <a:p>
+            <a:endParaRPr lang="en-US" dirty="0"/>
+          </a:p>
+          <a:p>
+            <a:r>
+              <a:rPr lang="en-US" dirty="0"/>
+              <a:t>If using breakout rooms, try to pre-assign attendees at the beginning to avoid a delay later on</a:t>
             </a:r>
           </a:p>
           <a:p>

--- a/_episodes/R-ladies/2021-04_setup.pptx
+++ b/_episodes/R-ladies/2021-04_setup.pptx
@@ -263,7 +263,7 @@
           <a:p>
             <a:fld id="{5CDBDA77-2BC1-8C48-8E6E-F2F2D0949FB9}" type="datetimeFigureOut">
               <a:rPr lang="en-US" smtClean="0"/>
-              <a:t>3/30/21</a:t>
+              <a:t>4/2/21</a:t>
             </a:fld>
             <a:endParaRPr lang="en-US"/>
           </a:p>
@@ -461,7 +461,7 @@
           <a:p>
             <a:fld id="{5CDBDA77-2BC1-8C48-8E6E-F2F2D0949FB9}" type="datetimeFigureOut">
               <a:rPr lang="en-US" smtClean="0"/>
-              <a:t>3/30/21</a:t>
+              <a:t>4/2/21</a:t>
             </a:fld>
             <a:endParaRPr lang="en-US"/>
           </a:p>
@@ -669,7 +669,7 @@
           <a:p>
             <a:fld id="{5CDBDA77-2BC1-8C48-8E6E-F2F2D0949FB9}" type="datetimeFigureOut">
               <a:rPr lang="en-US" smtClean="0"/>
-              <a:t>3/30/21</a:t>
+              <a:t>4/2/21</a:t>
             </a:fld>
             <a:endParaRPr lang="en-US"/>
           </a:p>
@@ -867,7 +867,7 @@
           <a:p>
             <a:fld id="{5CDBDA77-2BC1-8C48-8E6E-F2F2D0949FB9}" type="datetimeFigureOut">
               <a:rPr lang="en-US" smtClean="0"/>
-              <a:t>3/30/21</a:t>
+              <a:t>4/2/21</a:t>
             </a:fld>
             <a:endParaRPr lang="en-US"/>
           </a:p>
@@ -1142,7 +1142,7 @@
           <a:p>
             <a:fld id="{5CDBDA77-2BC1-8C48-8E6E-F2F2D0949FB9}" type="datetimeFigureOut">
               <a:rPr lang="en-US" smtClean="0"/>
-              <a:t>3/30/21</a:t>
+              <a:t>4/2/21</a:t>
             </a:fld>
             <a:endParaRPr lang="en-US"/>
           </a:p>
@@ -1407,7 +1407,7 @@
           <a:p>
             <a:fld id="{5CDBDA77-2BC1-8C48-8E6E-F2F2D0949FB9}" type="datetimeFigureOut">
               <a:rPr lang="en-US" smtClean="0"/>
-              <a:t>3/30/21</a:t>
+              <a:t>4/2/21</a:t>
             </a:fld>
             <a:endParaRPr lang="en-US"/>
           </a:p>
@@ -1819,7 +1819,7 @@
           <a:p>
             <a:fld id="{5CDBDA77-2BC1-8C48-8E6E-F2F2D0949FB9}" type="datetimeFigureOut">
               <a:rPr lang="en-US" smtClean="0"/>
-              <a:t>3/30/21</a:t>
+              <a:t>4/2/21</a:t>
             </a:fld>
             <a:endParaRPr lang="en-US"/>
           </a:p>
@@ -1960,7 +1960,7 @@
           <a:p>
             <a:fld id="{5CDBDA77-2BC1-8C48-8E6E-F2F2D0949FB9}" type="datetimeFigureOut">
               <a:rPr lang="en-US" smtClean="0"/>
-              <a:t>3/30/21</a:t>
+              <a:t>4/2/21</a:t>
             </a:fld>
             <a:endParaRPr lang="en-US"/>
           </a:p>
@@ -2073,7 +2073,7 @@
           <a:p>
             <a:fld id="{5CDBDA77-2BC1-8C48-8E6E-F2F2D0949FB9}" type="datetimeFigureOut">
               <a:rPr lang="en-US" smtClean="0"/>
-              <a:t>3/30/21</a:t>
+              <a:t>4/2/21</a:t>
             </a:fld>
             <a:endParaRPr lang="en-US"/>
           </a:p>
@@ -2384,7 +2384,7 @@
           <a:p>
             <a:fld id="{5CDBDA77-2BC1-8C48-8E6E-F2F2D0949FB9}" type="datetimeFigureOut">
               <a:rPr lang="en-US" smtClean="0"/>
-              <a:t>3/30/21</a:t>
+              <a:t>4/2/21</a:t>
             </a:fld>
             <a:endParaRPr lang="en-US"/>
           </a:p>
@@ -2672,7 +2672,7 @@
           <a:p>
             <a:fld id="{5CDBDA77-2BC1-8C48-8E6E-F2F2D0949FB9}" type="datetimeFigureOut">
               <a:rPr lang="en-US" smtClean="0"/>
-              <a:t>3/30/21</a:t>
+              <a:t>4/2/21</a:t>
             </a:fld>
             <a:endParaRPr lang="en-US"/>
           </a:p>
@@ -2913,7 +2913,7 @@
           <a:p>
             <a:fld id="{5CDBDA77-2BC1-8C48-8E6E-F2F2D0949FB9}" type="datetimeFigureOut">
               <a:rPr lang="en-US" smtClean="0"/>
-              <a:t>3/30/21</a:t>
+              <a:t>4/2/21</a:t>
             </a:fld>
             <a:endParaRPr lang="en-US"/>
           </a:p>
@@ -3348,7 +3348,7 @@
         </p:nvSpPr>
         <p:spPr>
           <a:xfrm>
-            <a:off x="1524000" y="583325"/>
+            <a:off x="1524000" y="446693"/>
             <a:ext cx="9144000" cy="1817797"/>
           </a:xfrm>
         </p:spPr>
@@ -3390,7 +3390,7 @@
         </p:nvSpPr>
         <p:spPr>
           <a:xfrm>
-            <a:off x="1524000" y="2323546"/>
+            <a:off x="1524000" y="2113727"/>
             <a:ext cx="9144000" cy="1655762"/>
           </a:xfrm>
         </p:spPr>
@@ -3411,21 +3411,8 @@
           <a:p>
             <a:r>
               <a:rPr lang="en-US" dirty="0"/>
-              <a:t>Helpers: Katie Jolly </a:t>
-            </a:r>
-            <a:r>
-              <a:rPr lang="en-US"/>
-              <a:t>(she/her), </a:t>
-            </a:r>
-            <a:r>
-              <a:rPr lang="en-US" dirty="0"/>
-              <a:t>Jenny </a:t>
-            </a:r>
-            <a:r>
-              <a:rPr lang="en-US"/>
-              <a:t>Smith (she/her), </a:t>
-            </a:r>
-            <a:endParaRPr lang="en-US" dirty="0"/>
+              <a:t>Helpers: Katie Jolly (she/her), Jenny Smith (she/her), </a:t>
+            </a:r>
           </a:p>
           <a:p>
             <a:r>
@@ -3451,8 +3438,8 @@
         </p:nvSpPr>
         <p:spPr>
           <a:xfrm>
-            <a:off x="1524000" y="4379052"/>
-            <a:ext cx="9144000" cy="1895623"/>
+            <a:off x="1524000" y="3979308"/>
+            <a:ext cx="9144000" cy="2642209"/>
           </a:xfrm>
           <a:prstGeom prst="rect">
             <a:avLst/>
@@ -3460,7 +3447,7 @@
         </p:spPr>
         <p:txBody>
           <a:bodyPr vert="horz" lIns="91440" tIns="45720" rIns="91440" bIns="45720" rtlCol="0">
-            <a:normAutofit/>
+            <a:normAutofit fontScale="92500" lnSpcReduction="10000"/>
           </a:bodyPr>
           <a:lstStyle>
             <a:lvl1pPr marL="0" indent="0" algn="ctr" defTabSz="914400" rtl="0" eaLnBrk="1" latinLnBrk="0" hangingPunct="1">
@@ -3674,11 +3661,28 @@
             </a:pPr>
             <a:r>
               <a:rPr lang="en-US" dirty="0"/>
+              <a:t>Take the pre-survey (optional but much appreciated!) </a:t>
+            </a:r>
+            <a:r>
+              <a:rPr lang="en-US" u="sng" dirty="0">
+                <a:hlinkClick r:id="rId4"/>
+              </a:rPr>
+              <a:t>https://carpentries.typeform.com/to/wi32rS?slug=2021-04-02-r-ladies-seattle-online</a:t>
+            </a:r>
+            <a:endParaRPr lang="en-US" dirty="0"/>
+          </a:p>
+          <a:p>
+            <a:pPr marL="342900" indent="-342900" algn="l">
+              <a:buFontTx/>
+              <a:buChar char="-"/>
+            </a:pPr>
+            <a:r>
+              <a:rPr lang="en-US" dirty="0"/>
               <a:t>Find today’s notes </a:t>
             </a:r>
             <a:r>
               <a:rPr lang="en-US" dirty="0">
-                <a:hlinkClick r:id="rId4"/>
+                <a:hlinkClick r:id="rId5"/>
               </a:rPr>
               <a:t>bit.ly/Rladies-git</a:t>
             </a:r>
@@ -4247,7 +4251,7 @@
 </file>
 
 <file path=ppt/slides/slide5.xml><?xml version="1.0" encoding="utf-8"?>
-<p:sld xmlns:a="http://schemas.openxmlformats.org/drawingml/2006/main" xmlns:r="http://schemas.openxmlformats.org/officeDocument/2006/relationships" xmlns:p="http://schemas.openxmlformats.org/presentationml/2006/main">
+<p:sld xmlns:a="http://schemas.openxmlformats.org/drawingml/2006/main" xmlns:r="http://schemas.openxmlformats.org/officeDocument/2006/relationships" xmlns:p="http://schemas.openxmlformats.org/presentationml/2006/main" show="0">
   <p:cSld>
     <p:spTree>
       <p:nvGrpSpPr>
